--- a/Lessons/Lesson08/Lesson08.pptx
+++ b/Lessons/Lesson08/Lesson08.pptx
@@ -3398,8 +3398,13 @@
             </a:br>
             <a:r>
               <a:rPr lang="en-US" dirty="0"/>
-              <a:t>git checkout –b lesson08 origin Lessons</a:t>
-            </a:r>
+              <a:t>git checkout -b </a:t>
+            </a:r>
+            <a:r>
+              <a:rPr lang="en-US"/>
+              <a:t>lesson08 origin/Lessons</a:t>
+            </a:r>
+            <a:endParaRPr lang="en-US" dirty="0"/>
           </a:p>
         </p:txBody>
       </p:sp>
